--- a/최종.pptx
+++ b/최종.pptx
@@ -321,7 +321,7 @@
             <a:fld id="{F600D546-3F0F-4600-BCC1-7A9656CC2512}" type="datetimeFigureOut">
               <a:rPr lang="ko-KR" altLang="en-US" smtClean="0"/>
               <a:pPr/>
-              <a:t>2019-11-24</a:t>
+              <a:t>2019-12-10</a:t>
             </a:fld>
             <a:endParaRPr lang="ko-KR" altLang="en-US"/>
           </a:p>
@@ -491,7 +491,7 @@
             <a:fld id="{F600D546-3F0F-4600-BCC1-7A9656CC2512}" type="datetimeFigureOut">
               <a:rPr lang="ko-KR" altLang="en-US" smtClean="0"/>
               <a:pPr/>
-              <a:t>2019-11-24</a:t>
+              <a:t>2019-12-10</a:t>
             </a:fld>
             <a:endParaRPr lang="ko-KR" altLang="en-US"/>
           </a:p>
@@ -671,7 +671,7 @@
             <a:fld id="{F600D546-3F0F-4600-BCC1-7A9656CC2512}" type="datetimeFigureOut">
               <a:rPr lang="ko-KR" altLang="en-US" smtClean="0"/>
               <a:pPr/>
-              <a:t>2019-11-24</a:t>
+              <a:t>2019-12-10</a:t>
             </a:fld>
             <a:endParaRPr lang="ko-KR" altLang="en-US"/>
           </a:p>
@@ -841,7 +841,7 @@
             <a:fld id="{F600D546-3F0F-4600-BCC1-7A9656CC2512}" type="datetimeFigureOut">
               <a:rPr lang="ko-KR" altLang="en-US" smtClean="0"/>
               <a:pPr/>
-              <a:t>2019-11-24</a:t>
+              <a:t>2019-12-10</a:t>
             </a:fld>
             <a:endParaRPr lang="ko-KR" altLang="en-US"/>
           </a:p>
@@ -1088,7 +1088,7 @@
             <a:fld id="{F600D546-3F0F-4600-BCC1-7A9656CC2512}" type="datetimeFigureOut">
               <a:rPr lang="ko-KR" altLang="en-US" smtClean="0"/>
               <a:pPr/>
-              <a:t>2019-11-24</a:t>
+              <a:t>2019-12-10</a:t>
             </a:fld>
             <a:endParaRPr lang="ko-KR" altLang="en-US"/>
           </a:p>
@@ -1375,7 +1375,7 @@
             <a:fld id="{F600D546-3F0F-4600-BCC1-7A9656CC2512}" type="datetimeFigureOut">
               <a:rPr lang="ko-KR" altLang="en-US" smtClean="0"/>
               <a:pPr/>
-              <a:t>2019-11-24</a:t>
+              <a:t>2019-12-10</a:t>
             </a:fld>
             <a:endParaRPr lang="ko-KR" altLang="en-US"/>
           </a:p>
@@ -1796,7 +1796,7 @@
             <a:fld id="{F600D546-3F0F-4600-BCC1-7A9656CC2512}" type="datetimeFigureOut">
               <a:rPr lang="ko-KR" altLang="en-US" smtClean="0"/>
               <a:pPr/>
-              <a:t>2019-11-24</a:t>
+              <a:t>2019-12-10</a:t>
             </a:fld>
             <a:endParaRPr lang="ko-KR" altLang="en-US"/>
           </a:p>
@@ -1915,7 +1915,7 @@
             <a:fld id="{F600D546-3F0F-4600-BCC1-7A9656CC2512}" type="datetimeFigureOut">
               <a:rPr lang="ko-KR" altLang="en-US" smtClean="0"/>
               <a:pPr/>
-              <a:t>2019-11-24</a:t>
+              <a:t>2019-12-10</a:t>
             </a:fld>
             <a:endParaRPr lang="ko-KR" altLang="en-US"/>
           </a:p>
@@ -2012,7 +2012,7 @@
             <a:fld id="{F600D546-3F0F-4600-BCC1-7A9656CC2512}" type="datetimeFigureOut">
               <a:rPr lang="ko-KR" altLang="en-US" smtClean="0"/>
               <a:pPr/>
-              <a:t>2019-11-24</a:t>
+              <a:t>2019-12-10</a:t>
             </a:fld>
             <a:endParaRPr lang="ko-KR" altLang="en-US"/>
           </a:p>
@@ -2289,7 +2289,7 @@
             <a:fld id="{F600D546-3F0F-4600-BCC1-7A9656CC2512}" type="datetimeFigureOut">
               <a:rPr lang="ko-KR" altLang="en-US" smtClean="0"/>
               <a:pPr/>
-              <a:t>2019-11-24</a:t>
+              <a:t>2019-12-10</a:t>
             </a:fld>
             <a:endParaRPr lang="ko-KR" altLang="en-US"/>
           </a:p>
@@ -2543,7 +2543,7 @@
             <a:fld id="{F600D546-3F0F-4600-BCC1-7A9656CC2512}" type="datetimeFigureOut">
               <a:rPr lang="ko-KR" altLang="en-US" smtClean="0"/>
               <a:pPr/>
-              <a:t>2019-11-24</a:t>
+              <a:t>2019-12-10</a:t>
             </a:fld>
             <a:endParaRPr lang="ko-KR" altLang="en-US"/>
           </a:p>
@@ -2756,7 +2756,7 @@
             <a:fld id="{F600D546-3F0F-4600-BCC1-7A9656CC2512}" type="datetimeFigureOut">
               <a:rPr lang="ko-KR" altLang="en-US" smtClean="0"/>
               <a:pPr/>
-              <a:t>2019-11-24</a:t>
+              <a:t>2019-12-10</a:t>
             </a:fld>
             <a:endParaRPr lang="ko-KR" altLang="en-US"/>
           </a:p>
@@ -3826,7 +3826,7 @@
         <p:spPr>
           <a:xfrm>
             <a:off x="1763688" y="2048413"/>
-            <a:ext cx="3653890" cy="1107996"/>
+            <a:ext cx="4535608" cy="1107996"/>
           </a:xfrm>
           <a:prstGeom prst="rect">
             <a:avLst/>
@@ -3839,7 +3839,7 @@
           <a:lstStyle/>
           <a:p>
             <a:r>
-              <a:rPr lang="en-US" altLang="ko-KR" sz="6600" b="1" dirty="0">
+              <a:rPr lang="ko-KR" altLang="en-US" sz="6600" b="1">
                 <a:ln w="3175">
                   <a:solidFill>
                     <a:schemeClr val="bg1">
@@ -3853,24 +3853,7 @@
                 <a:latin typeface="나눔고딕 ExtraBold" panose="020B0600000101010101" charset="-127"/>
                 <a:ea typeface="나눔고딕 ExtraBold" panose="020B0600000101010101" charset="-127"/>
               </a:rPr>
-              <a:t>3</a:t>
-            </a:r>
-            <a:r>
-              <a:rPr lang="ko-KR" altLang="en-US" sz="6600" b="1" dirty="0">
-                <a:ln w="3175">
-                  <a:solidFill>
-                    <a:schemeClr val="bg1">
-                      <a:lumMod val="95000"/>
-                    </a:schemeClr>
-                  </a:solidFill>
-                </a:ln>
-                <a:solidFill>
-                  <a:srgbClr val="FF0000"/>
-                </a:solidFill>
-                <a:latin typeface="나눔고딕 ExtraBold" panose="020B0600000101010101" charset="-127"/>
-                <a:ea typeface="나눔고딕 ExtraBold" panose="020B0600000101010101" charset="-127"/>
-              </a:rPr>
-              <a:t>차 발표</a:t>
+              <a:t> 최종발표</a:t>
             </a:r>
             <a:endParaRPr lang="en-US" altLang="ko-KR" sz="6600" b="1" dirty="0">
               <a:ln w="3175">
@@ -4197,14 +4180,14 @@
           <p:nvPr>
             <p:extLst>
               <p:ext uri="{D42A27DB-BD31-4B8C-83A1-F6EECF244321}">
-                <p14:modId xmlns:p14="http://schemas.microsoft.com/office/powerpoint/2010/main" val="4028943055"/>
+                <p14:modId xmlns:p14="http://schemas.microsoft.com/office/powerpoint/2010/main" val="684713908"/>
               </p:ext>
             </p:extLst>
           </p:nvPr>
         </p:nvGraphicFramePr>
         <p:xfrm>
           <a:off x="467544" y="927122"/>
-          <a:ext cx="7848872" cy="4863307"/>
+          <a:ext cx="7848872" cy="5654496"/>
         </p:xfrm>
         <a:graphic>
           <a:graphicData uri="http://schemas.openxmlformats.org/drawingml/2006/table">
@@ -4346,7 +4329,7 @@
                       <a:pPr latinLnBrk="1"/>
                       <a:r>
                         <a:rPr lang="ko-KR" altLang="en-US" dirty="0" err="1"/>
-                        <a:t>구현못함</a:t>
+                        <a:t>움직이는맵구현</a:t>
                       </a:r>
                       <a:endParaRPr lang="ko-KR" altLang="en-US" dirty="0"/>
                     </a:p>
@@ -4361,7 +4344,7 @@
                       <a:pPr latinLnBrk="1"/>
                       <a:r>
                         <a:rPr lang="en-US" altLang="ko-KR" dirty="0"/>
-                        <a:t>0%</a:t>
+                        <a:t>100%</a:t>
                       </a:r>
                       <a:endParaRPr lang="ko-KR" altLang="en-US" dirty="0"/>
                     </a:p>
@@ -4509,7 +4492,7 @@
                       <a:pPr latinLnBrk="1"/>
                       <a:r>
                         <a:rPr lang="ko-KR" altLang="en-US" dirty="0"/>
-                        <a:t>없음</a:t>
+                        <a:t>배경음악</a:t>
                       </a:r>
                     </a:p>
                   </a:txBody>
@@ -4523,7 +4506,7 @@
                       <a:pPr latinLnBrk="1"/>
                       <a:r>
                         <a:rPr lang="en-US" altLang="ko-KR" dirty="0"/>
-                        <a:t>0%</a:t>
+                        <a:t>50%</a:t>
                       </a:r>
                       <a:endParaRPr lang="ko-KR" altLang="en-US" dirty="0"/>
                     </a:p>
@@ -4558,20 +4541,8 @@
                     <a:p>
                       <a:pPr latinLnBrk="1"/>
                       <a:r>
-                        <a:rPr lang="ko-KR" altLang="en-US" dirty="0" err="1"/>
-                        <a:t>보스몬스터</a:t>
-                      </a:r>
-                      <a:r>
                         <a:rPr lang="ko-KR" altLang="en-US" dirty="0"/>
-                        <a:t> 제외 </a:t>
-                      </a:r>
-                      <a:r>
-                        <a:rPr lang="ko-KR" altLang="en-US" dirty="0" err="1"/>
-                        <a:t>에니메이션</a:t>
-                      </a:r>
-                      <a:r>
-                        <a:rPr lang="ko-KR" altLang="en-US" dirty="0"/>
-                        <a:t> 완료</a:t>
+                        <a:t>애니메이션 완료</a:t>
                       </a:r>
                     </a:p>
                   </a:txBody>
@@ -4600,24 +4571,20 @@
                         <a:defRPr/>
                       </a:pPr>
                       <a:r>
-                        <a:rPr lang="ko-KR" altLang="en-US" dirty="0" err="1"/>
-                        <a:t>보스몬스터</a:t>
-                      </a:r>
-                      <a:r>
                         <a:rPr lang="ko-KR" altLang="en-US" dirty="0"/>
-                        <a:t> 제외 </a:t>
-                      </a:r>
-                      <a:r>
-                        <a:rPr lang="ko-KR" altLang="en-US" dirty="0" err="1"/>
-                        <a:t>에니메이션</a:t>
-                      </a:r>
-                      <a:r>
-                        <a:rPr lang="ko-KR" altLang="en-US" dirty="0"/>
-                        <a:t> 완료</a:t>
+                        <a:t>애니메이션 완료</a:t>
                       </a:r>
                     </a:p>
                     <a:p>
                       <a:pPr latinLnBrk="1"/>
+                      <a:r>
+                        <a:rPr lang="ko-KR" altLang="en-US" dirty="0"/>
+                        <a:t>적객체에 대한 섬세한 애니메이션은 </a:t>
+                      </a:r>
+                      <a:r>
+                        <a:rPr lang="ko-KR" altLang="en-US" dirty="0" err="1"/>
+                        <a:t>미구현</a:t>
+                      </a:r>
                       <a:endParaRPr lang="ko-KR" altLang="en-US" dirty="0"/>
                     </a:p>
                   </a:txBody>
@@ -4631,23 +4598,7 @@
                       <a:pPr latinLnBrk="1"/>
                       <a:r>
                         <a:rPr lang="en-US" altLang="ko-KR" dirty="0"/>
-                        <a:t>80% (</a:t>
-                      </a:r>
-                      <a:r>
-                        <a:rPr lang="ko-KR" altLang="en-US" dirty="0" err="1"/>
-                        <a:t>보스몬스터</a:t>
-                      </a:r>
-                      <a:r>
-                        <a:rPr lang="ko-KR" altLang="en-US" dirty="0"/>
-                        <a:t> </a:t>
-                      </a:r>
-                      <a:r>
-                        <a:rPr lang="ko-KR" altLang="en-US" dirty="0" err="1"/>
-                        <a:t>미구현</a:t>
-                      </a:r>
-                      <a:r>
-                        <a:rPr lang="en-US" altLang="ko-KR" dirty="0"/>
-                        <a:t>)</a:t>
+                        <a:t>90%</a:t>
                       </a:r>
                       <a:endParaRPr lang="ko-KR" altLang="en-US" dirty="0"/>
                     </a:p>
@@ -4723,7 +4674,7 @@
                       <a:pPr latinLnBrk="1"/>
                       <a:r>
                         <a:rPr lang="en-US" altLang="ko-KR" dirty="0"/>
-                        <a:t>90%</a:t>
+                        <a:t>100%</a:t>
                       </a:r>
                       <a:endParaRPr lang="ko-KR" altLang="en-US" dirty="0"/>
                     </a:p>
@@ -4743,7 +4694,10 @@
                     <a:lstStyle/>
                     <a:p>
                       <a:pPr latinLnBrk="1"/>
-                      <a:endParaRPr lang="ko-KR" altLang="en-US"/>
+                      <a:r>
+                        <a:rPr lang="ko-KR" altLang="en-US" dirty="0"/>
+                        <a:t>최종 완성도</a:t>
+                      </a:r>
                     </a:p>
                   </a:txBody>
                   <a:tcPr/>
@@ -4754,17 +4708,10 @@
                     <a:lstStyle/>
                     <a:p>
                       <a:pPr latinLnBrk="1"/>
-                      <a:endParaRPr lang="ko-KR" altLang="en-US"/>
-                    </a:p>
-                  </a:txBody>
-                  <a:tcPr/>
-                </a:tc>
-                <a:tc>
-                  <a:txBody>
-                    <a:bodyPr/>
-                    <a:lstStyle/>
-                    <a:p>
-                      <a:pPr latinLnBrk="1"/>
+                      <a:r>
+                        <a:rPr lang="en-US" altLang="ko-KR" dirty="0"/>
+                        <a:t>100%</a:t>
+                      </a:r>
                       <a:endParaRPr lang="ko-KR" altLang="en-US" dirty="0"/>
                     </a:p>
                   </a:txBody>
@@ -4776,6 +4723,24 @@
                     <a:lstStyle/>
                     <a:p>
                       <a:pPr latinLnBrk="1"/>
+                      <a:r>
+                        <a:rPr lang="ko-KR" altLang="en-US" dirty="0"/>
+                        <a:t>마무리를 깔끔하게 마무리하지 못했음</a:t>
+                      </a:r>
+                    </a:p>
+                  </a:txBody>
+                  <a:tcPr/>
+                </a:tc>
+                <a:tc>
+                  <a:txBody>
+                    <a:bodyPr/>
+                    <a:lstStyle/>
+                    <a:p>
+                      <a:pPr latinLnBrk="1"/>
+                      <a:r>
+                        <a:rPr lang="en-US" altLang="ko-KR" dirty="0"/>
+                        <a:t>70%</a:t>
+                      </a:r>
                       <a:endParaRPr lang="ko-KR" altLang="en-US" dirty="0"/>
                     </a:p>
                   </a:txBody>
@@ -4821,36 +4786,6 @@
           <a:chExt cx="0" cy="0"/>
         </a:xfrm>
       </p:grpSpPr>
-      <p:pic>
-        <p:nvPicPr>
-          <p:cNvPr id="2" name="그림 1">
-            <a:extLst>
-              <a:ext uri="{FF2B5EF4-FFF2-40B4-BE49-F238E27FC236}">
-                <a16:creationId xmlns:a16="http://schemas.microsoft.com/office/drawing/2014/main" id="{996013B9-E372-4F9A-9B48-7E2651F54354}"/>
-              </a:ext>
-            </a:extLst>
-          </p:cNvPr>
-          <p:cNvPicPr>
-            <a:picLocks noChangeAspect="1"/>
-          </p:cNvPicPr>
-          <p:nvPr/>
-        </p:nvPicPr>
-        <p:blipFill>
-          <a:blip r:embed="rId2"/>
-          <a:stretch>
-            <a:fillRect/>
-          </a:stretch>
-        </p:blipFill>
-        <p:spPr>
-          <a:xfrm>
-            <a:off x="247650" y="342633"/>
-            <a:ext cx="8648700" cy="1990725"/>
-          </a:xfrm>
-          <a:prstGeom prst="rect">
-            <a:avLst/>
-          </a:prstGeom>
-        </p:spPr>
-      </p:pic>
       <p:sp>
         <p:nvSpPr>
           <p:cNvPr id="22" name="직사각형 21"/>
@@ -5114,14 +5049,14 @@
           <p:nvPr>
             <p:extLst>
               <p:ext uri="{D42A27DB-BD31-4B8C-83A1-F6EECF244321}">
-                <p14:modId xmlns:p14="http://schemas.microsoft.com/office/powerpoint/2010/main" val="114420625"/>
+                <p14:modId xmlns:p14="http://schemas.microsoft.com/office/powerpoint/2010/main" val="3941010030"/>
               </p:ext>
             </p:extLst>
           </p:nvPr>
         </p:nvGraphicFramePr>
         <p:xfrm>
           <a:off x="2497297" y="2420887"/>
-          <a:ext cx="3226831" cy="2564214"/>
+          <a:ext cx="3226831" cy="3066307"/>
         </p:xfrm>
         <a:graphic>
           <a:graphicData uri="http://schemas.openxmlformats.org/drawingml/2006/table">
@@ -5648,7 +5583,7 @@
                   </a:ext>
                 </a:extLst>
               </a:tr>
-              <a:tr h="252287">
+              <a:tr h="126144">
                 <a:tc>
                   <a:txBody>
                     <a:bodyPr/>
@@ -5693,43 +5628,13 @@
                         <a:rPr lang="en-US" altLang="ko-KR" sz="1100" u="none" strike="noStrike" dirty="0">
                           <a:effectLst/>
                         </a:rPr>
-                        <a:t>13</a:t>
+                        <a:t>14</a:t>
                       </a:r>
                       <a:r>
                         <a:rPr lang="ko-KR" altLang="en-US" sz="1100" u="none" strike="noStrike" dirty="0">
                           <a:effectLst/>
                         </a:rPr>
                         <a:t>회</a:t>
-                      </a:r>
-                      <a:r>
-                        <a:rPr lang="en-US" altLang="ko-KR" sz="1100" u="none" strike="noStrike" dirty="0">
-                          <a:effectLst/>
-                        </a:rPr>
-                        <a:t>(11</a:t>
-                      </a:r>
-                      <a:r>
-                        <a:rPr lang="ko-KR" altLang="en-US" sz="1100" u="none" strike="noStrike" dirty="0">
-                          <a:effectLst/>
-                        </a:rPr>
-                        <a:t>월</a:t>
-                      </a:r>
-                      <a:r>
-                        <a:rPr lang="en-US" altLang="ko-KR" sz="1100" u="none" strike="noStrike" dirty="0">
-                          <a:effectLst/>
-                        </a:rPr>
-                        <a:t>24</a:t>
-                      </a:r>
-                      <a:r>
-                        <a:rPr lang="ko-KR" altLang="en-US" sz="1100" u="none" strike="noStrike" dirty="0" err="1">
-                          <a:effectLst/>
-                        </a:rPr>
-                        <a:t>일기준</a:t>
-                      </a:r>
-                      <a:r>
-                        <a:rPr lang="en-US" altLang="ko-KR" sz="1100" u="none" strike="noStrike" dirty="0">
-                          <a:effectLst/>
-                        </a:rPr>
-                        <a:t>)</a:t>
                       </a:r>
                       <a:endParaRPr lang="ko-KR" altLang="en-US" sz="1100" b="0" i="0" u="none" strike="noStrike" dirty="0">
                         <a:solidFill>
@@ -5749,10 +5654,187 @@
                   </a:ext>
                 </a:extLst>
               </a:tr>
+              <a:tr h="125730">
+                <a:tc>
+                  <a:txBody>
+                    <a:bodyPr/>
+                    <a:lstStyle/>
+                    <a:p>
+                      <a:pPr algn="l" fontAlgn="ctr"/>
+                      <a:r>
+                        <a:rPr lang="en-US" altLang="ko-KR" sz="1600" b="1" i="0" u="none" strike="noStrike" dirty="0">
+                          <a:solidFill>
+                            <a:srgbClr val="000000"/>
+                          </a:solidFill>
+                          <a:effectLst/>
+                          <a:latin typeface="맑은 고딕" panose="020B0503020000020004" pitchFamily="50" charset="-127"/>
+                          <a:ea typeface="맑은 고딕" panose="020B0503020000020004" pitchFamily="50" charset="-127"/>
+                        </a:rPr>
+                        <a:t>8</a:t>
+                      </a:r>
+                      <a:r>
+                        <a:rPr lang="ko-KR" altLang="en-US" sz="1600" b="1" i="0" u="none" strike="noStrike" dirty="0">
+                          <a:solidFill>
+                            <a:srgbClr val="000000"/>
+                          </a:solidFill>
+                          <a:effectLst/>
+                          <a:latin typeface="맑은 고딕" panose="020B0503020000020004" pitchFamily="50" charset="-127"/>
+                          <a:ea typeface="맑은 고딕" panose="020B0503020000020004" pitchFamily="50" charset="-127"/>
+                        </a:rPr>
+                        <a:t>주차</a:t>
+                      </a:r>
+                    </a:p>
+                  </a:txBody>
+                  <a:tcPr marL="7620" marR="7620" marT="7620" marB="0" anchor="ctr">
+                    <a:solidFill>
+                      <a:srgbClr val="FF0066"/>
+                    </a:solidFill>
+                  </a:tcPr>
+                </a:tc>
+                <a:tc>
+                  <a:txBody>
+                    <a:bodyPr/>
+                    <a:lstStyle/>
+                    <a:p>
+                      <a:pPr algn="l" fontAlgn="ctr"/>
+                      <a:r>
+                        <a:rPr lang="en-US" altLang="ko-KR" sz="1100" b="0" i="0" u="none" strike="noStrike" dirty="0">
+                          <a:solidFill>
+                            <a:srgbClr val="000000"/>
+                          </a:solidFill>
+                          <a:effectLst/>
+                          <a:latin typeface="맑은 고딕" panose="020B0503020000020004" pitchFamily="50" charset="-127"/>
+                          <a:ea typeface="맑은 고딕" panose="020B0503020000020004" pitchFamily="50" charset="-127"/>
+                        </a:rPr>
+                        <a:t>2</a:t>
+                      </a:r>
+                      <a:endParaRPr lang="ko-KR" altLang="en-US" sz="1100" b="0" i="0" u="none" strike="noStrike" dirty="0">
+                        <a:solidFill>
+                          <a:srgbClr val="000000"/>
+                        </a:solidFill>
+                        <a:effectLst/>
+                        <a:latin typeface="맑은 고딕" panose="020B0503020000020004" pitchFamily="50" charset="-127"/>
+                        <a:ea typeface="맑은 고딕" panose="020B0503020000020004" pitchFamily="50" charset="-127"/>
+                      </a:endParaRPr>
+                    </a:p>
+                  </a:txBody>
+                  <a:tcPr marL="7620" marR="7620" marT="7620" marB="0" anchor="ctr"/>
+                </a:tc>
+                <a:extLst>
+                  <a:ext uri="{0D108BD9-81ED-4DB2-BD59-A6C34878D82A}">
+                    <a16:rowId xmlns:a16="http://schemas.microsoft.com/office/drawing/2014/main" val="2741376598"/>
+                  </a:ext>
+                </a:extLst>
+              </a:tr>
+              <a:tr h="125730">
+                <a:tc>
+                  <a:txBody>
+                    <a:bodyPr/>
+                    <a:lstStyle/>
+                    <a:p>
+                      <a:pPr algn="l" fontAlgn="ctr"/>
+                      <a:r>
+                        <a:rPr lang="en-US" altLang="ko-KR" sz="1600" b="1" i="0" u="none" strike="noStrike" dirty="0">
+                          <a:solidFill>
+                            <a:srgbClr val="000000"/>
+                          </a:solidFill>
+                          <a:effectLst/>
+                          <a:latin typeface="맑은 고딕" panose="020B0503020000020004" pitchFamily="50" charset="-127"/>
+                          <a:ea typeface="맑은 고딕" panose="020B0503020000020004" pitchFamily="50" charset="-127"/>
+                        </a:rPr>
+                        <a:t>9</a:t>
+                      </a:r>
+                      <a:r>
+                        <a:rPr lang="ko-KR" altLang="en-US" sz="1600" b="1" i="0" u="none" strike="noStrike" dirty="0">
+                          <a:solidFill>
+                            <a:srgbClr val="000000"/>
+                          </a:solidFill>
+                          <a:effectLst/>
+                          <a:latin typeface="맑은 고딕" panose="020B0503020000020004" pitchFamily="50" charset="-127"/>
+                          <a:ea typeface="맑은 고딕" panose="020B0503020000020004" pitchFamily="50" charset="-127"/>
+                        </a:rPr>
+                        <a:t>주차</a:t>
+                      </a:r>
+                    </a:p>
+                  </a:txBody>
+                  <a:tcPr marL="7620" marR="7620" marT="7620" marB="0" anchor="ctr">
+                    <a:solidFill>
+                      <a:srgbClr val="FF0066"/>
+                    </a:solidFill>
+                  </a:tcPr>
+                </a:tc>
+                <a:tc>
+                  <a:txBody>
+                    <a:bodyPr/>
+                    <a:lstStyle/>
+                    <a:p>
+                      <a:pPr algn="l" fontAlgn="ctr"/>
+                      <a:r>
+                        <a:rPr lang="en-US" altLang="ko-KR" sz="1100" b="0" i="0" u="none" strike="noStrike" dirty="0">
+                          <a:solidFill>
+                            <a:srgbClr val="000000"/>
+                          </a:solidFill>
+                          <a:effectLst/>
+                          <a:latin typeface="맑은 고딕" panose="020B0503020000020004" pitchFamily="50" charset="-127"/>
+                          <a:ea typeface="맑은 고딕" panose="020B0503020000020004" pitchFamily="50" charset="-127"/>
+                        </a:rPr>
+                        <a:t>6</a:t>
+                      </a:r>
+                      <a:r>
+                        <a:rPr lang="ko-KR" altLang="en-US" sz="1100" b="0" i="0" u="none" strike="noStrike" dirty="0">
+                          <a:solidFill>
+                            <a:srgbClr val="000000"/>
+                          </a:solidFill>
+                          <a:effectLst/>
+                          <a:latin typeface="맑은 고딕" panose="020B0503020000020004" pitchFamily="50" charset="-127"/>
+                          <a:ea typeface="맑은 고딕" panose="020B0503020000020004" pitchFamily="50" charset="-127"/>
+                        </a:rPr>
+                        <a:t>회</a:t>
+                      </a:r>
+                    </a:p>
+                  </a:txBody>
+                  <a:tcPr marL="7620" marR="7620" marT="7620" marB="0" anchor="ctr"/>
+                </a:tc>
+                <a:extLst>
+                  <a:ext uri="{0D108BD9-81ED-4DB2-BD59-A6C34878D82A}">
+                    <a16:rowId xmlns:a16="http://schemas.microsoft.com/office/drawing/2014/main" val="64921881"/>
+                  </a:ext>
+                </a:extLst>
+              </a:tr>
             </a:tbl>
           </a:graphicData>
         </a:graphic>
       </p:graphicFrame>
+      <p:pic>
+        <p:nvPicPr>
+          <p:cNvPr id="4" name="그림 3">
+            <a:extLst>
+              <a:ext uri="{FF2B5EF4-FFF2-40B4-BE49-F238E27FC236}">
+                <a16:creationId xmlns:a16="http://schemas.microsoft.com/office/drawing/2014/main" id="{6491CEA7-76AA-4B30-AA52-CD9459C2B877}"/>
+              </a:ext>
+            </a:extLst>
+          </p:cNvPr>
+          <p:cNvPicPr>
+            <a:picLocks noChangeAspect="1"/>
+          </p:cNvPicPr>
+          <p:nvPr/>
+        </p:nvPicPr>
+        <p:blipFill>
+          <a:blip r:embed="rId2"/>
+          <a:stretch>
+            <a:fillRect/>
+          </a:stretch>
+        </p:blipFill>
+        <p:spPr>
+          <a:xfrm>
+            <a:off x="642910" y="715615"/>
+            <a:ext cx="7124700" cy="1485900"/>
+          </a:xfrm>
+          <a:prstGeom prst="rect">
+            <a:avLst/>
+          </a:prstGeom>
+        </p:spPr>
+      </p:pic>
     </p:spTree>
     <p:extLst>
       <p:ext uri="{BB962C8B-B14F-4D97-AF65-F5344CB8AC3E}">
